--- a/ONLINE TRIP CARS FOR HIRE.pptx
+++ b/ONLINE TRIP CARS FOR HIRE.pptx
@@ -8,13 +8,12 @@
     <p:sldId id="256" r:id="rId2"/>
     <p:sldId id="257" r:id="rId3"/>
     <p:sldId id="258" r:id="rId4"/>
-    <p:sldId id="259" r:id="rId5"/>
-    <p:sldId id="260" r:id="rId6"/>
-    <p:sldId id="261" r:id="rId7"/>
-    <p:sldId id="262" r:id="rId8"/>
-    <p:sldId id="263" r:id="rId9"/>
-    <p:sldId id="264" r:id="rId10"/>
-    <p:sldId id="265" r:id="rId11"/>
+    <p:sldId id="260" r:id="rId5"/>
+    <p:sldId id="261" r:id="rId6"/>
+    <p:sldId id="262" r:id="rId7"/>
+    <p:sldId id="263" r:id="rId8"/>
+    <p:sldId id="264" r:id="rId9"/>
+    <p:sldId id="265" r:id="rId10"/>
   </p:sldIdLst>
   <p:sldSz cx="12192000" cy="6858000"/>
   <p:notesSz cx="6858000" cy="9144000"/>
@@ -113,6 +112,11 @@
       </a:defRPr>
     </a:lvl9pPr>
   </p:defaultTextStyle>
+  <p:extLst>
+    <p:ext uri="{EFAFB233-063F-42B5-8137-9DF3F51BA10A}">
+      <p15:sldGuideLst xmlns:p15="http://schemas.microsoft.com/office/powerpoint/2012/main"/>
+    </p:ext>
+  </p:extLst>
 </p:presentation>
 </file>
 
@@ -265,7 +269,7 @@
           <a:p>
             <a:fld id="{BE60C355-CDA7-47C5-A542-C61F400BDEFA}" type="datetimeFigureOut">
               <a:rPr lang="en-IN" smtClean="0"/>
-              <a:t>02-04-2019</a:t>
+              <a:t>10-03-2022</a:t>
             </a:fld>
             <a:endParaRPr lang="en-IN"/>
           </a:p>
@@ -465,7 +469,7 @@
           <a:p>
             <a:fld id="{BE60C355-CDA7-47C5-A542-C61F400BDEFA}" type="datetimeFigureOut">
               <a:rPr lang="en-IN" smtClean="0"/>
-              <a:t>02-04-2019</a:t>
+              <a:t>10-03-2022</a:t>
             </a:fld>
             <a:endParaRPr lang="en-IN"/>
           </a:p>
@@ -675,7 +679,7 @@
           <a:p>
             <a:fld id="{BE60C355-CDA7-47C5-A542-C61F400BDEFA}" type="datetimeFigureOut">
               <a:rPr lang="en-IN" smtClean="0"/>
-              <a:t>02-04-2019</a:t>
+              <a:t>10-03-2022</a:t>
             </a:fld>
             <a:endParaRPr lang="en-IN"/>
           </a:p>
@@ -875,7 +879,7 @@
           <a:p>
             <a:fld id="{BE60C355-CDA7-47C5-A542-C61F400BDEFA}" type="datetimeFigureOut">
               <a:rPr lang="en-IN" smtClean="0"/>
-              <a:t>02-04-2019</a:t>
+              <a:t>10-03-2022</a:t>
             </a:fld>
             <a:endParaRPr lang="en-IN"/>
           </a:p>
@@ -1151,7 +1155,7 @@
           <a:p>
             <a:fld id="{BE60C355-CDA7-47C5-A542-C61F400BDEFA}" type="datetimeFigureOut">
               <a:rPr lang="en-IN" smtClean="0"/>
-              <a:t>02-04-2019</a:t>
+              <a:t>10-03-2022</a:t>
             </a:fld>
             <a:endParaRPr lang="en-IN"/>
           </a:p>
@@ -1419,7 +1423,7 @@
           <a:p>
             <a:fld id="{BE60C355-CDA7-47C5-A542-C61F400BDEFA}" type="datetimeFigureOut">
               <a:rPr lang="en-IN" smtClean="0"/>
-              <a:t>02-04-2019</a:t>
+              <a:t>10-03-2022</a:t>
             </a:fld>
             <a:endParaRPr lang="en-IN"/>
           </a:p>
@@ -1834,7 +1838,7 @@
           <a:p>
             <a:fld id="{BE60C355-CDA7-47C5-A542-C61F400BDEFA}" type="datetimeFigureOut">
               <a:rPr lang="en-IN" smtClean="0"/>
-              <a:t>02-04-2019</a:t>
+              <a:t>10-03-2022</a:t>
             </a:fld>
             <a:endParaRPr lang="en-IN"/>
           </a:p>
@@ -1976,7 +1980,7 @@
           <a:p>
             <a:fld id="{BE60C355-CDA7-47C5-A542-C61F400BDEFA}" type="datetimeFigureOut">
               <a:rPr lang="en-IN" smtClean="0"/>
-              <a:t>02-04-2019</a:t>
+              <a:t>10-03-2022</a:t>
             </a:fld>
             <a:endParaRPr lang="en-IN"/>
           </a:p>
@@ -2089,7 +2093,7 @@
           <a:p>
             <a:fld id="{BE60C355-CDA7-47C5-A542-C61F400BDEFA}" type="datetimeFigureOut">
               <a:rPr lang="en-IN" smtClean="0"/>
-              <a:t>02-04-2019</a:t>
+              <a:t>10-03-2022</a:t>
             </a:fld>
             <a:endParaRPr lang="en-IN"/>
           </a:p>
@@ -2402,7 +2406,7 @@
           <a:p>
             <a:fld id="{BE60C355-CDA7-47C5-A542-C61F400BDEFA}" type="datetimeFigureOut">
               <a:rPr lang="en-IN" smtClean="0"/>
-              <a:t>02-04-2019</a:t>
+              <a:t>10-03-2022</a:t>
             </a:fld>
             <a:endParaRPr lang="en-IN"/>
           </a:p>
@@ -2691,7 +2695,7 @@
           <a:p>
             <a:fld id="{BE60C355-CDA7-47C5-A542-C61F400BDEFA}" type="datetimeFigureOut">
               <a:rPr lang="en-IN" smtClean="0"/>
-              <a:t>02-04-2019</a:t>
+              <a:t>10-03-2022</a:t>
             </a:fld>
             <a:endParaRPr lang="en-IN"/>
           </a:p>
@@ -2934,7 +2938,7 @@
           <a:p>
             <a:fld id="{BE60C355-CDA7-47C5-A542-C61F400BDEFA}" type="datetimeFigureOut">
               <a:rPr lang="en-IN" smtClean="0"/>
-              <a:t>02-04-2019</a:t>
+              <a:t>10-03-2022</a:t>
             </a:fld>
             <a:endParaRPr lang="en-IN"/>
           </a:p>
@@ -3523,81 +3527,6 @@
 </p:sld>
 </file>
 
-<file path=ppt/slides/slide10.xml><?xml version="1.0" encoding="utf-8"?>
-<p:sld xmlns:a="http://schemas.openxmlformats.org/drawingml/2006/main" xmlns:r="http://schemas.openxmlformats.org/officeDocument/2006/relationships" xmlns:p="http://schemas.openxmlformats.org/presentationml/2006/main">
-  <p:cSld>
-    <p:spTree>
-      <p:nvGrpSpPr>
-        <p:cNvPr id="1" name=""/>
-        <p:cNvGrpSpPr/>
-        <p:nvPr/>
-      </p:nvGrpSpPr>
-      <p:grpSpPr>
-        <a:xfrm>
-          <a:off x="0" y="0"/>
-          <a:ext cx="0" cy="0"/>
-          <a:chOff x="0" y="0"/>
-          <a:chExt cx="0" cy="0"/>
-        </a:xfrm>
-      </p:grpSpPr>
-      <p:sp>
-        <p:nvSpPr>
-          <p:cNvPr id="2" name="Title 1">
-            <a:extLst>
-              <a:ext uri="{FF2B5EF4-FFF2-40B4-BE49-F238E27FC236}">
-                <a16:creationId xmlns:a16="http://schemas.microsoft.com/office/drawing/2014/main" id="{5ADAEE86-B422-42D0-8854-B33FC7AE5A0F}"/>
-              </a:ext>
-            </a:extLst>
-          </p:cNvPr>
-          <p:cNvSpPr>
-            <a:spLocks noGrp="1"/>
-          </p:cNvSpPr>
-          <p:nvPr>
-            <p:ph type="title"/>
-          </p:nvPr>
-        </p:nvSpPr>
-        <p:spPr>
-          <a:xfrm>
-            <a:off x="838200" y="365125"/>
-            <a:ext cx="10515600" cy="6062308"/>
-          </a:xfrm>
-        </p:spPr>
-        <p:txBody>
-          <a:bodyPr>
-            <a:normAutofit/>
-          </a:bodyPr>
-          <a:lstStyle/>
-          <a:p>
-            <a:pPr algn="ctr"/>
-            <a:r>
-              <a:rPr lang="en-US" sz="7200" b="1" dirty="0">
-                <a:solidFill>
-                  <a:srgbClr val="00B0F0"/>
-                </a:solidFill>
-              </a:rPr>
-              <a:t>THANK YOU</a:t>
-            </a:r>
-            <a:endParaRPr lang="en-IN" sz="7200" b="1" dirty="0">
-              <a:solidFill>
-                <a:srgbClr val="00B0F0"/>
-              </a:solidFill>
-            </a:endParaRPr>
-          </a:p>
-        </p:txBody>
-      </p:sp>
-    </p:spTree>
-    <p:extLst>
-      <p:ext uri="{BB962C8B-B14F-4D97-AF65-F5344CB8AC3E}">
-        <p14:creationId xmlns:p14="http://schemas.microsoft.com/office/powerpoint/2010/main" val="3795179015"/>
-      </p:ext>
-    </p:extLst>
-  </p:cSld>
-  <p:clrMapOvr>
-    <a:masterClrMapping/>
-  </p:clrMapOvr>
-</p:sld>
-</file>
-
 <file path=ppt/slides/slide2.xml><?xml version="1.0" encoding="utf-8"?>
 <p:sld xmlns:a="http://schemas.openxmlformats.org/drawingml/2006/main" xmlns:r="http://schemas.openxmlformats.org/officeDocument/2006/relationships" xmlns:p="http://schemas.openxmlformats.org/presentationml/2006/main">
   <p:cSld>
@@ -3669,18 +3598,87 @@
         </p:nvSpPr>
         <p:spPr>
           <a:xfrm>
-            <a:off x="1887984" y="1784412"/>
-            <a:ext cx="9144000" cy="3915052"/>
+            <a:off x="1276500" y="1784412"/>
+            <a:ext cx="10305899" cy="4560970"/>
           </a:xfrm>
         </p:spPr>
         <p:txBody>
           <a:bodyPr/>
           <a:lstStyle/>
           <a:p>
+            <a:pPr algn="l">
+              <a:lnSpc>
+                <a:spcPct val="115000"/>
+              </a:lnSpc>
+              <a:spcAft>
+                <a:spcPts val="1000"/>
+              </a:spcAft>
+            </a:pPr>
+            <a:r>
+              <a:rPr lang="en-US" dirty="0">
+                <a:latin typeface="Calibri" panose="020F0502020204030204" pitchFamily="34" charset="0"/>
+                <a:ea typeface="Calibri" panose="020F0502020204030204" pitchFamily="34" charset="0"/>
+                <a:cs typeface="Times New Roman" panose="02020603050405020304" pitchFamily="18" charset="0"/>
+              </a:rPr>
+              <a:t>This project is designed so as to be used by Car Rental Company specializing in renting cars to customers. It is an online system through which view available cars, register, view profile and book car.</a:t>
+            </a:r>
+          </a:p>
+          <a:p>
+            <a:pPr algn="l">
+              <a:lnSpc>
+                <a:spcPct val="115000"/>
+              </a:lnSpc>
+              <a:spcAft>
+                <a:spcPts val="1000"/>
+              </a:spcAft>
+            </a:pPr>
+            <a:endParaRPr lang="en-IN" dirty="0">
+              <a:latin typeface="Calibri" panose="020F0502020204030204" pitchFamily="34" charset="0"/>
+              <a:ea typeface="Calibri" panose="020F0502020204030204" pitchFamily="34" charset="0"/>
+              <a:cs typeface="Times New Roman" panose="02020603050405020304" pitchFamily="18" charset="0"/>
+            </a:endParaRPr>
+          </a:p>
+          <a:p>
             <a:endParaRPr lang="en-IN" dirty="0"/>
           </a:p>
         </p:txBody>
       </p:sp>
+      <p:pic>
+        <p:nvPicPr>
+          <p:cNvPr id="5" name="Picture 4">
+            <a:extLst>
+              <a:ext uri="{FF2B5EF4-FFF2-40B4-BE49-F238E27FC236}">
+                <a16:creationId xmlns:a16="http://schemas.microsoft.com/office/drawing/2014/main" id="{53656191-9717-4651-8783-CD4CDFC6AB59}"/>
+              </a:ext>
+            </a:extLst>
+          </p:cNvPr>
+          <p:cNvPicPr>
+            <a:picLocks noChangeAspect="1"/>
+          </p:cNvPicPr>
+          <p:nvPr/>
+        </p:nvPicPr>
+        <p:blipFill>
+          <a:blip r:embed="rId2">
+            <a:extLst>
+              <a:ext uri="{28A0092B-C50C-407E-A947-70E740481C1C}">
+                <a14:useLocalDpi xmlns:a14="http://schemas.microsoft.com/office/drawing/2010/main" val="0"/>
+              </a:ext>
+            </a:extLst>
+          </a:blip>
+          <a:stretch>
+            <a:fillRect/>
+          </a:stretch>
+        </p:blipFill>
+        <p:spPr>
+          <a:xfrm>
+            <a:off x="7148945" y="3131128"/>
+            <a:ext cx="4087091" cy="3726872"/>
+          </a:xfrm>
+          <a:prstGeom prst="rect">
+            <a:avLst/>
+          </a:prstGeom>
+        </p:spPr>
+      </p:pic>
     </p:spTree>
     <p:extLst>
       <p:ext uri="{BB962C8B-B14F-4D97-AF65-F5344CB8AC3E}">
@@ -3730,12 +3728,12 @@
         <p:spPr>
           <a:xfrm>
             <a:off x="1524000" y="514905"/>
-            <a:ext cx="9144000" cy="1313895"/>
+            <a:ext cx="9144000" cy="801277"/>
           </a:xfrm>
         </p:spPr>
         <p:txBody>
           <a:bodyPr>
-            <a:normAutofit/>
+            <a:normAutofit fontScale="90000"/>
           </a:bodyPr>
           <a:lstStyle/>
           <a:p>
@@ -3749,10 +3747,10 @@
       </p:sp>
       <p:sp>
         <p:nvSpPr>
-          <p:cNvPr id="3" name="Subtitle 2">
-            <a:extLst>
-              <a:ext uri="{FF2B5EF4-FFF2-40B4-BE49-F238E27FC236}">
-                <a16:creationId xmlns:a16="http://schemas.microsoft.com/office/drawing/2014/main" id="{A362F157-28A0-453C-80D5-63984103B307}"/>
+          <p:cNvPr id="5" name="Subtitle 4">
+            <a:extLst>
+              <a:ext uri="{FF2B5EF4-FFF2-40B4-BE49-F238E27FC236}">
+                <a16:creationId xmlns:a16="http://schemas.microsoft.com/office/drawing/2014/main" id="{7E900673-3878-4883-805A-0950618930EE}"/>
               </a:ext>
             </a:extLst>
           </p:cNvPr>
@@ -3765,64 +3763,93 @@
         </p:nvSpPr>
         <p:spPr>
           <a:xfrm>
-            <a:off x="1950128" y="2432481"/>
-            <a:ext cx="9144000" cy="1890943"/>
+            <a:off x="1524000" y="1316182"/>
+            <a:ext cx="8229600" cy="5541818"/>
           </a:xfrm>
         </p:spPr>
         <p:txBody>
-          <a:bodyPr/>
-          <a:lstStyle/>
-          <a:p>
-            <a:pPr marL="342900" indent="-342900" algn="l">
-              <a:buFont typeface="Arial" panose="020B0604020202020204" pitchFamily="34" charset="0"/>
-              <a:buChar char="•"/>
+          <a:bodyPr>
+            <a:normAutofit fontScale="85000" lnSpcReduction="10000"/>
+          </a:bodyPr>
+          <a:lstStyle/>
+          <a:p>
+            <a:pPr marL="457200" indent="-457200">
+              <a:buAutoNum type="arabicPeriod"/>
             </a:pPr>
             <a:r>
-              <a:rPr lang="en-US" sz="2800" b="1" dirty="0">
-                <a:solidFill>
-                  <a:srgbClr val="FF0000"/>
-                </a:solidFill>
-              </a:rPr>
-              <a:t>ORDER CARS FOR TRIP</a:t>
-            </a:r>
-          </a:p>
-          <a:p>
-            <a:pPr marL="342900" indent="-342900" algn="l">
-              <a:buFont typeface="Arial" panose="020B0604020202020204" pitchFamily="34" charset="0"/>
-              <a:buChar char="•"/>
-            </a:pPr>
-            <a:r>
-              <a:rPr lang="en-US" sz="2800" b="1" dirty="0">
-                <a:solidFill>
-                  <a:srgbClr val="FF0000"/>
-                </a:solidFill>
-              </a:rPr>
-              <a:t>USED</a:t>
-            </a:r>
-            <a:endParaRPr lang="en-US" b="1" dirty="0">
-              <a:solidFill>
-                <a:srgbClr val="FF0000"/>
-              </a:solidFill>
-            </a:endParaRPr>
-          </a:p>
-          <a:p>
-            <a:pPr marL="342900" indent="-342900" algn="l">
-              <a:buFont typeface="Arial" panose="020B0604020202020204" pitchFamily="34" charset="0"/>
-              <a:buChar char="•"/>
-            </a:pPr>
-            <a:r>
-              <a:rPr lang="en-US" sz="2800" b="1" dirty="0">
-                <a:solidFill>
-                  <a:srgbClr val="FF0000"/>
-                </a:solidFill>
-              </a:rPr>
-              <a:t>VEHICLE</a:t>
-            </a:r>
-            <a:endParaRPr lang="en-IN" b="1" dirty="0">
-              <a:solidFill>
-                <a:srgbClr val="FF0000"/>
-              </a:solidFill>
-            </a:endParaRPr>
+              <a:rPr lang="en-US" dirty="0"/>
+              <a:t>This online car rental solution is fully functional and flexible.</a:t>
+            </a:r>
+          </a:p>
+          <a:p>
+            <a:r>
+              <a:rPr lang="en-US" dirty="0"/>
+              <a:t>2. It is very easy to use.</a:t>
+            </a:r>
+          </a:p>
+          <a:p>
+            <a:r>
+              <a:rPr lang="en-US" dirty="0"/>
+              <a:t>3. This online car rental system helps in back office administration by streamlining and standardizing the procedures.</a:t>
+            </a:r>
+            <a:endParaRPr lang="en-IN" dirty="0"/>
+          </a:p>
+          <a:p>
+            <a:endParaRPr lang="en-US" dirty="0"/>
+          </a:p>
+          <a:p>
+            <a:r>
+              <a:rPr lang="en-US" dirty="0"/>
+              <a:t>4.It saves a lot of time, money and labor</a:t>
+            </a:r>
+            <a:endParaRPr lang="en-IN" dirty="0"/>
+          </a:p>
+          <a:p>
+            <a:r>
+              <a:rPr lang="en-US" dirty="0"/>
+              <a:t> </a:t>
+            </a:r>
+            <a:endParaRPr lang="en-IN" dirty="0"/>
+          </a:p>
+          <a:p>
+            <a:r>
+              <a:rPr lang="en-US" dirty="0"/>
+              <a:t>5. Eco-friendly: The monitoring of the vehicle activity and the overall business becomes easy and includes the least of paper work.</a:t>
+            </a:r>
+            <a:endParaRPr lang="en-IN" dirty="0"/>
+          </a:p>
+          <a:p>
+            <a:endParaRPr lang="en-IN" dirty="0"/>
+          </a:p>
+          <a:p>
+            <a:r>
+              <a:rPr lang="en-US" dirty="0"/>
+              <a:t>6. The software acts as an office that is open 24/7.</a:t>
+            </a:r>
+            <a:endParaRPr lang="en-IN" dirty="0"/>
+          </a:p>
+          <a:p>
+            <a:endParaRPr lang="en-IN" dirty="0"/>
+          </a:p>
+          <a:p>
+            <a:r>
+              <a:rPr lang="en-US" dirty="0"/>
+              <a:t>7. It increases the efficiency of the management at offering quality services to the customers.</a:t>
+            </a:r>
+            <a:endParaRPr lang="en-IN" dirty="0"/>
+          </a:p>
+          <a:p>
+            <a:endParaRPr lang="en-IN" dirty="0"/>
+          </a:p>
+          <a:p>
+            <a:r>
+              <a:rPr lang="en-US" dirty="0"/>
+              <a:t>8. It provides custom features development and support with the software.</a:t>
+            </a:r>
+            <a:endParaRPr lang="en-IN" dirty="0"/>
+          </a:p>
+          <a:p>
+            <a:endParaRPr lang="en-IN" dirty="0"/>
           </a:p>
         </p:txBody>
       </p:sp>
@@ -3861,79 +3888,103 @@
           <p:cNvPr id="2" name="Title 1">
             <a:extLst>
               <a:ext uri="{FF2B5EF4-FFF2-40B4-BE49-F238E27FC236}">
-                <a16:creationId xmlns:a16="http://schemas.microsoft.com/office/drawing/2014/main" id="{D986A77C-6207-4807-A72F-F952322D854D}"/>
-              </a:ext>
-            </a:extLst>
-          </p:cNvPr>
-          <p:cNvSpPr>
-            <a:spLocks noGrp="1"/>
-          </p:cNvSpPr>
-          <p:nvPr>
-            <p:ph type="ctrTitle"/>
+                <a16:creationId xmlns:a16="http://schemas.microsoft.com/office/drawing/2014/main" id="{4446B43C-FCA9-491F-BE12-C7F50BC7826C}"/>
+              </a:ext>
+            </a:extLst>
+          </p:cNvPr>
+          <p:cNvSpPr>
+            <a:spLocks noGrp="1"/>
+          </p:cNvSpPr>
+          <p:nvPr>
+            <p:ph type="title"/>
           </p:nvPr>
         </p:nvSpPr>
         <p:spPr>
           <a:xfrm>
-            <a:off x="1524000" y="630315"/>
-            <a:ext cx="9144000" cy="1464815"/>
+            <a:off x="838200" y="46037"/>
+            <a:ext cx="10515600" cy="1325563"/>
           </a:xfrm>
         </p:spPr>
         <p:txBody>
-          <a:bodyPr>
-            <a:normAutofit/>
-          </a:bodyPr>
-          <a:lstStyle/>
-          <a:p>
-            <a:r>
-              <a:rPr lang="en-US" sz="6600" b="1" dirty="0">
+          <a:bodyPr/>
+          <a:lstStyle/>
+          <a:p>
+            <a:pPr algn="ctr"/>
+            <a:r>
+              <a:rPr lang="en-US" sz="5400" b="1" dirty="0">
                 <a:solidFill>
-                  <a:srgbClr val="002060"/>
+                  <a:srgbClr val="00B050"/>
                 </a:solidFill>
               </a:rPr>
-              <a:t>ER-DIAGRAM</a:t>
+              <a:t>FLOW</a:t>
+            </a:r>
+            <a:r>
+              <a:rPr lang="en-US" dirty="0"/>
+              <a:t> </a:t>
+            </a:r>
+            <a:r>
+              <a:rPr lang="en-US" sz="5400" b="1" dirty="0">
+                <a:solidFill>
+                  <a:srgbClr val="00B050"/>
+                </a:solidFill>
+              </a:rPr>
+              <a:t>CHAT</a:t>
             </a:r>
             <a:endParaRPr lang="en-IN" b="1" dirty="0">
               <a:solidFill>
-                <a:srgbClr val="002060"/>
+                <a:srgbClr val="00B050"/>
               </a:solidFill>
             </a:endParaRPr>
           </a:p>
         </p:txBody>
       </p:sp>
-      <p:sp>
-        <p:nvSpPr>
-          <p:cNvPr id="3" name="Subtitle 2">
-            <a:extLst>
-              <a:ext uri="{FF2B5EF4-FFF2-40B4-BE49-F238E27FC236}">
-                <a16:creationId xmlns:a16="http://schemas.microsoft.com/office/drawing/2014/main" id="{BFC2E924-BDA4-46F5-A6F5-7A4670206EC7}"/>
-              </a:ext>
-            </a:extLst>
-          </p:cNvPr>
-          <p:cNvSpPr>
-            <a:spLocks noGrp="1"/>
-          </p:cNvSpPr>
-          <p:nvPr>
-            <p:ph type="subTitle" idx="1"/>
-          </p:nvPr>
-        </p:nvSpPr>
-        <p:spPr>
+      <p:pic>
+        <p:nvPicPr>
+          <p:cNvPr id="4" name="Content Placeholder 3" descr="C:\Users\july18\Desktop\cf1808e6a16e91bbd4ea889e0c1c010b.jpg">
+            <a:extLst>
+              <a:ext uri="{FF2B5EF4-FFF2-40B4-BE49-F238E27FC236}">
+                <a16:creationId xmlns:a16="http://schemas.microsoft.com/office/drawing/2014/main" id="{381940C3-C186-471E-BA5F-740AD1A15873}"/>
+              </a:ext>
+            </a:extLst>
+          </p:cNvPr>
+          <p:cNvPicPr>
+            <a:picLocks noGrp="1"/>
+          </p:cNvPicPr>
+          <p:nvPr>
+            <p:ph idx="1"/>
+          </p:nvPr>
+        </p:nvPicPr>
+        <p:blipFill>
+          <a:blip r:embed="rId2">
+            <a:extLst>
+              <a:ext uri="{28A0092B-C50C-407E-A947-70E740481C1C}">
+                <a14:useLocalDpi xmlns:a14="http://schemas.microsoft.com/office/drawing/2010/main" val="0"/>
+              </a:ext>
+            </a:extLst>
+          </a:blip>
+          <a:srcRect/>
+          <a:stretch>
+            <a:fillRect/>
+          </a:stretch>
+        </p:blipFill>
+        <p:spPr bwMode="auto">
           <a:xfrm>
-            <a:off x="1524000" y="1997475"/>
-            <a:ext cx="9144000" cy="4230209"/>
+            <a:off x="2341418" y="1371600"/>
+            <a:ext cx="7495309" cy="5638799"/>
           </a:xfrm>
+          <a:prstGeom prst="rect">
+            <a:avLst/>
+          </a:prstGeom>
+          <a:noFill/>
+          <a:ln>
+            <a:noFill/>
+          </a:ln>
         </p:spPr>
-        <p:txBody>
-          <a:bodyPr/>
-          <a:lstStyle/>
-          <a:p>
-            <a:endParaRPr lang="en-IN" dirty="0"/>
-          </a:p>
-        </p:txBody>
-      </p:sp>
+      </p:pic>
     </p:spTree>
     <p:extLst>
       <p:ext uri="{BB962C8B-B14F-4D97-AF65-F5344CB8AC3E}">
-        <p14:creationId xmlns:p14="http://schemas.microsoft.com/office/powerpoint/2010/main" val="2128742303"/>
+        <p14:creationId xmlns:p14="http://schemas.microsoft.com/office/powerpoint/2010/main" val="3265231421"/>
       </p:ext>
     </p:extLst>
   </p:cSld>
@@ -3965,80 +4016,123 @@
           <p:cNvPr id="2" name="Title 1">
             <a:extLst>
               <a:ext uri="{FF2B5EF4-FFF2-40B4-BE49-F238E27FC236}">
-                <a16:creationId xmlns:a16="http://schemas.microsoft.com/office/drawing/2014/main" id="{4446B43C-FCA9-491F-BE12-C7F50BC7826C}"/>
-              </a:ext>
-            </a:extLst>
-          </p:cNvPr>
-          <p:cNvSpPr>
-            <a:spLocks noGrp="1"/>
-          </p:cNvSpPr>
-          <p:nvPr>
-            <p:ph type="title"/>
-          </p:nvPr>
-        </p:nvSpPr>
-        <p:spPr/>
-        <p:txBody>
-          <a:bodyPr/>
-          <a:lstStyle/>
-          <a:p>
-            <a:pPr algn="ctr"/>
-            <a:r>
-              <a:rPr lang="en-US" sz="5400" b="1" dirty="0">
+                <a16:creationId xmlns:a16="http://schemas.microsoft.com/office/drawing/2014/main" id="{2A8B3E72-59A3-4EA2-8932-DB414F850486}"/>
+              </a:ext>
+            </a:extLst>
+          </p:cNvPr>
+          <p:cNvSpPr>
+            <a:spLocks noGrp="1"/>
+          </p:cNvSpPr>
+          <p:nvPr>
+            <p:ph type="ctrTitle"/>
+          </p:nvPr>
+        </p:nvSpPr>
+        <p:spPr>
+          <a:xfrm>
+            <a:off x="1524000" y="264507"/>
+            <a:ext cx="9144000" cy="1149734"/>
+          </a:xfrm>
+        </p:spPr>
+        <p:txBody>
+          <a:bodyPr>
+            <a:normAutofit/>
+          </a:bodyPr>
+          <a:lstStyle/>
+          <a:p>
+            <a:r>
+              <a:rPr lang="en-US" sz="5400" b="1" dirty="0"/>
+              <a:t>DATABASE</a:t>
+            </a:r>
+            <a:endParaRPr lang="en-IN" sz="5400" b="1" dirty="0"/>
+          </a:p>
+        </p:txBody>
+      </p:sp>
+      <p:sp>
+        <p:nvSpPr>
+          <p:cNvPr id="3" name="Subtitle 2">
+            <a:extLst>
+              <a:ext uri="{FF2B5EF4-FFF2-40B4-BE49-F238E27FC236}">
+                <a16:creationId xmlns:a16="http://schemas.microsoft.com/office/drawing/2014/main" id="{11733EF0-7981-4958-ADDC-69466F271D27}"/>
+              </a:ext>
+            </a:extLst>
+          </p:cNvPr>
+          <p:cNvSpPr>
+            <a:spLocks noGrp="1"/>
+          </p:cNvSpPr>
+          <p:nvPr>
+            <p:ph type="subTitle" idx="1"/>
+          </p:nvPr>
+        </p:nvSpPr>
+        <p:spPr>
+          <a:xfrm>
+            <a:off x="1612777" y="1414241"/>
+            <a:ext cx="9144000" cy="5075337"/>
+          </a:xfrm>
+        </p:spPr>
+        <p:txBody>
+          <a:bodyPr/>
+          <a:lstStyle/>
+          <a:p>
+            <a:r>
+              <a:rPr lang="en-US" sz="2800" b="1" u="sng" dirty="0">
                 <a:solidFill>
-                  <a:srgbClr val="00B050"/>
+                  <a:schemeClr val="accent1">
+                    <a:lumMod val="75000"/>
+                  </a:schemeClr>
                 </a:solidFill>
               </a:rPr>
-              <a:t>FLOW</a:t>
-            </a:r>
-            <a:r>
-              <a:rPr lang="en-US" dirty="0"/>
-              <a:t> </a:t>
-            </a:r>
-            <a:r>
-              <a:rPr lang="en-US" sz="5400" b="1" dirty="0">
-                <a:solidFill>
-                  <a:srgbClr val="00B050"/>
-                </a:solidFill>
-              </a:rPr>
-              <a:t>CHAT</a:t>
-            </a:r>
-            <a:endParaRPr lang="en-IN" b="1" dirty="0">
+              <a:t>USER</a:t>
+            </a:r>
+            <a:endParaRPr lang="en-IN" b="1" u="sng" dirty="0">
               <a:solidFill>
-                <a:srgbClr val="00B050"/>
+                <a:schemeClr val="accent1">
+                  <a:lumMod val="75000"/>
+                </a:schemeClr>
               </a:solidFill>
             </a:endParaRPr>
           </a:p>
         </p:txBody>
       </p:sp>
-      <p:sp>
-        <p:nvSpPr>
-          <p:cNvPr id="3" name="Content Placeholder 2">
-            <a:extLst>
-              <a:ext uri="{FF2B5EF4-FFF2-40B4-BE49-F238E27FC236}">
-                <a16:creationId xmlns:a16="http://schemas.microsoft.com/office/drawing/2014/main" id="{4D0B8335-EBFB-4219-A0EA-E84613B817A9}"/>
-              </a:ext>
-            </a:extLst>
-          </p:cNvPr>
-          <p:cNvSpPr>
-            <a:spLocks noGrp="1"/>
-          </p:cNvSpPr>
-          <p:nvPr>
-            <p:ph idx="1"/>
-          </p:nvPr>
-        </p:nvSpPr>
-        <p:spPr/>
-        <p:txBody>
-          <a:bodyPr/>
-          <a:lstStyle/>
-          <a:p>
-            <a:endParaRPr lang="en-IN" dirty="0"/>
-          </a:p>
-        </p:txBody>
-      </p:sp>
+      <p:pic>
+        <p:nvPicPr>
+          <p:cNvPr id="5" name="Picture 4">
+            <a:extLst>
+              <a:ext uri="{FF2B5EF4-FFF2-40B4-BE49-F238E27FC236}">
+                <a16:creationId xmlns:a16="http://schemas.microsoft.com/office/drawing/2014/main" id="{5C468ADC-CEA4-4058-BEFE-FC36925859FC}"/>
+              </a:ext>
+            </a:extLst>
+          </p:cNvPr>
+          <p:cNvPicPr>
+            <a:picLocks noChangeAspect="1"/>
+          </p:cNvPicPr>
+          <p:nvPr/>
+        </p:nvPicPr>
+        <p:blipFill>
+          <a:blip r:embed="rId2">
+            <a:extLst>
+              <a:ext uri="{28A0092B-C50C-407E-A947-70E740481C1C}">
+                <a14:useLocalDpi xmlns:a14="http://schemas.microsoft.com/office/drawing/2010/main" val="0"/>
+              </a:ext>
+            </a:extLst>
+          </a:blip>
+          <a:stretch>
+            <a:fillRect/>
+          </a:stretch>
+        </p:blipFill>
+        <p:spPr>
+          <a:xfrm>
+            <a:off x="2036618" y="2036619"/>
+            <a:ext cx="8808936" cy="5208922"/>
+          </a:xfrm>
+          <a:prstGeom prst="rect">
+            <a:avLst/>
+          </a:prstGeom>
+        </p:spPr>
+      </p:pic>
     </p:spTree>
     <p:extLst>
       <p:ext uri="{BB962C8B-B14F-4D97-AF65-F5344CB8AC3E}">
-        <p14:creationId xmlns:p14="http://schemas.microsoft.com/office/powerpoint/2010/main" val="3265231421"/>
+        <p14:creationId xmlns:p14="http://schemas.microsoft.com/office/powerpoint/2010/main" val="3256605920"/>
       </p:ext>
     </p:extLst>
   </p:cSld>
@@ -4070,7 +4164,7 @@
           <p:cNvPr id="2" name="Title 1">
             <a:extLst>
               <a:ext uri="{FF2B5EF4-FFF2-40B4-BE49-F238E27FC236}">
-                <a16:creationId xmlns:a16="http://schemas.microsoft.com/office/drawing/2014/main" id="{2A8B3E72-59A3-4EA2-8932-DB414F850486}"/>
+                <a16:creationId xmlns:a16="http://schemas.microsoft.com/office/drawing/2014/main" id="{67FC9BD2-52A8-4238-BCD7-A141AB50B75A}"/>
               </a:ext>
             </a:extLst>
           </p:cNvPr>
@@ -4083,8 +4177,8 @@
         </p:nvSpPr>
         <p:spPr>
           <a:xfrm>
-            <a:off x="1524000" y="652434"/>
-            <a:ext cx="9144000" cy="1149734"/>
+            <a:off x="1524000" y="275209"/>
+            <a:ext cx="9144000" cy="1324992"/>
           </a:xfrm>
         </p:spPr>
         <p:txBody>
@@ -4097,7 +4191,7 @@
               <a:rPr lang="en-US" sz="6600" b="1" dirty="0"/>
               <a:t>DATABASE</a:t>
             </a:r>
-            <a:endParaRPr lang="en-IN" sz="6600" b="1" dirty="0"/>
+            <a:endParaRPr lang="en-IN" b="1" dirty="0"/>
           </a:p>
         </p:txBody>
       </p:sp>
@@ -4106,7 +4200,7 @@
           <p:cNvPr id="3" name="Subtitle 2">
             <a:extLst>
               <a:ext uri="{FF2B5EF4-FFF2-40B4-BE49-F238E27FC236}">
-                <a16:creationId xmlns:a16="http://schemas.microsoft.com/office/drawing/2014/main" id="{11733EF0-7981-4958-ADDC-69466F271D27}"/>
+                <a16:creationId xmlns:a16="http://schemas.microsoft.com/office/drawing/2014/main" id="{2B9CD7E6-AAC9-4B7B-906D-2FBA8ACFA8C8}"/>
               </a:ext>
             </a:extLst>
           </p:cNvPr>
@@ -4119,8 +4213,8 @@
         </p:nvSpPr>
         <p:spPr>
           <a:xfrm>
-            <a:off x="1612777" y="1953086"/>
-            <a:ext cx="9144000" cy="4536491"/>
+            <a:off x="1154097" y="1828799"/>
+            <a:ext cx="9735845" cy="4261283"/>
           </a:xfrm>
         </p:spPr>
         <p:txBody>
@@ -4130,27 +4224,63 @@
             <a:r>
               <a:rPr lang="en-US" sz="2800" b="1" u="sng" dirty="0">
                 <a:solidFill>
-                  <a:schemeClr val="accent1">
-                    <a:lumMod val="75000"/>
+                  <a:schemeClr val="accent6">
+                    <a:lumMod val="50000"/>
                   </a:schemeClr>
                 </a:solidFill>
               </a:rPr>
-              <a:t>USER</a:t>
+              <a:t>ADMIN</a:t>
             </a:r>
             <a:endParaRPr lang="en-IN" b="1" u="sng" dirty="0">
               <a:solidFill>
-                <a:schemeClr val="accent1">
-                  <a:lumMod val="75000"/>
+                <a:schemeClr val="accent6">
+                  <a:lumMod val="50000"/>
                 </a:schemeClr>
               </a:solidFill>
             </a:endParaRPr>
           </a:p>
         </p:txBody>
       </p:sp>
+      <p:pic>
+        <p:nvPicPr>
+          <p:cNvPr id="5" name="Picture 4">
+            <a:extLst>
+              <a:ext uri="{FF2B5EF4-FFF2-40B4-BE49-F238E27FC236}">
+                <a16:creationId xmlns:a16="http://schemas.microsoft.com/office/drawing/2014/main" id="{FB9D7409-A7C6-4D0D-A491-D0235CA42D19}"/>
+              </a:ext>
+            </a:extLst>
+          </p:cNvPr>
+          <p:cNvPicPr>
+            <a:picLocks noChangeAspect="1"/>
+          </p:cNvPicPr>
+          <p:nvPr/>
+        </p:nvPicPr>
+        <p:blipFill>
+          <a:blip r:embed="rId2">
+            <a:extLst>
+              <a:ext uri="{28A0092B-C50C-407E-A947-70E740481C1C}">
+                <a14:useLocalDpi xmlns:a14="http://schemas.microsoft.com/office/drawing/2010/main" val="0"/>
+              </a:ext>
+            </a:extLst>
+          </a:blip>
+          <a:stretch>
+            <a:fillRect/>
+          </a:stretch>
+        </p:blipFill>
+        <p:spPr>
+          <a:xfrm>
+            <a:off x="833492" y="2452256"/>
+            <a:ext cx="10377054" cy="4710544"/>
+          </a:xfrm>
+          <a:prstGeom prst="rect">
+            <a:avLst/>
+          </a:prstGeom>
+        </p:spPr>
+      </p:pic>
     </p:spTree>
     <p:extLst>
       <p:ext uri="{BB962C8B-B14F-4D97-AF65-F5344CB8AC3E}">
-        <p14:creationId xmlns:p14="http://schemas.microsoft.com/office/powerpoint/2010/main" val="3256605920"/>
+        <p14:creationId xmlns:p14="http://schemas.microsoft.com/office/powerpoint/2010/main" val="1859437327"/>
       </p:ext>
     </p:extLst>
   </p:cSld>
@@ -4182,87 +4312,205 @@
           <p:cNvPr id="2" name="Title 1">
             <a:extLst>
               <a:ext uri="{FF2B5EF4-FFF2-40B4-BE49-F238E27FC236}">
-                <a16:creationId xmlns:a16="http://schemas.microsoft.com/office/drawing/2014/main" id="{67FC9BD2-52A8-4238-BCD7-A141AB50B75A}"/>
-              </a:ext>
-            </a:extLst>
-          </p:cNvPr>
-          <p:cNvSpPr>
-            <a:spLocks noGrp="1"/>
-          </p:cNvSpPr>
-          <p:nvPr>
-            <p:ph type="ctrTitle"/>
-          </p:nvPr>
-        </p:nvSpPr>
-        <p:spPr>
-          <a:xfrm>
-            <a:off x="1524000" y="275209"/>
-            <a:ext cx="9144000" cy="1324992"/>
-          </a:xfrm>
-        </p:spPr>
+                <a16:creationId xmlns:a16="http://schemas.microsoft.com/office/drawing/2014/main" id="{DBCE3FB4-0A53-4EA5-AF45-D91672AF5C2A}"/>
+              </a:ext>
+            </a:extLst>
+          </p:cNvPr>
+          <p:cNvSpPr>
+            <a:spLocks noGrp="1"/>
+          </p:cNvSpPr>
+          <p:nvPr>
+            <p:ph type="title"/>
+          </p:nvPr>
+        </p:nvSpPr>
+        <p:spPr/>
         <p:txBody>
           <a:bodyPr>
             <a:normAutofit/>
           </a:bodyPr>
           <a:lstStyle/>
           <a:p>
-            <a:r>
-              <a:rPr lang="en-US" sz="6600" b="1" dirty="0"/>
-              <a:t>DATABASE</a:t>
-            </a:r>
-            <a:endParaRPr lang="en-IN" b="1" dirty="0"/>
-          </a:p>
-        </p:txBody>
-      </p:sp>
-      <p:sp>
-        <p:nvSpPr>
-          <p:cNvPr id="3" name="Subtitle 2">
-            <a:extLst>
-              <a:ext uri="{FF2B5EF4-FFF2-40B4-BE49-F238E27FC236}">
-                <a16:creationId xmlns:a16="http://schemas.microsoft.com/office/drawing/2014/main" id="{2B9CD7E6-AAC9-4B7B-906D-2FBA8ACFA8C8}"/>
-              </a:ext>
-            </a:extLst>
-          </p:cNvPr>
-          <p:cNvSpPr>
-            <a:spLocks noGrp="1"/>
-          </p:cNvSpPr>
-          <p:nvPr>
-            <p:ph type="subTitle" idx="1"/>
-          </p:nvPr>
-        </p:nvSpPr>
-        <p:spPr>
-          <a:xfrm>
-            <a:off x="1154097" y="1828799"/>
-            <a:ext cx="9735845" cy="4261283"/>
-          </a:xfrm>
-        </p:spPr>
-        <p:txBody>
-          <a:bodyPr/>
-          <a:lstStyle/>
-          <a:p>
-            <a:r>
-              <a:rPr lang="en-US" sz="2800" b="1" u="sng" dirty="0">
+            <a:pPr algn="ctr"/>
+            <a:r>
+              <a:rPr lang="en-US" sz="4800" b="1" dirty="0">
                 <a:solidFill>
-                  <a:schemeClr val="accent6">
-                    <a:lumMod val="50000"/>
-                  </a:schemeClr>
+                  <a:srgbClr val="C00000"/>
                 </a:solidFill>
               </a:rPr>
-              <a:t>ADMIN</a:t>
-            </a:r>
-            <a:endParaRPr lang="en-IN" b="1" u="sng" dirty="0">
+              <a:t>FUTURE</a:t>
+            </a:r>
+            <a:r>
+              <a:rPr lang="en-US" sz="4000" b="1" dirty="0">
+                <a:solidFill>
+                  <a:srgbClr val="C00000"/>
+                </a:solidFill>
+              </a:rPr>
+              <a:t> </a:t>
+            </a:r>
+            <a:r>
+              <a:rPr lang="en-US" sz="4800" b="1" dirty="0">
+                <a:solidFill>
+                  <a:srgbClr val="C00000"/>
+                </a:solidFill>
+              </a:rPr>
+              <a:t>SCOPES</a:t>
+            </a:r>
+            <a:endParaRPr lang="en-IN" sz="4000" b="1" dirty="0">
               <a:solidFill>
-                <a:schemeClr val="accent6">
-                  <a:lumMod val="50000"/>
-                </a:schemeClr>
+                <a:srgbClr val="C00000"/>
               </a:solidFill>
             </a:endParaRPr>
+          </a:p>
+        </p:txBody>
+      </p:sp>
+      <p:sp>
+        <p:nvSpPr>
+          <p:cNvPr id="3" name="Content Placeholder 2">
+            <a:extLst>
+              <a:ext uri="{FF2B5EF4-FFF2-40B4-BE49-F238E27FC236}">
+                <a16:creationId xmlns:a16="http://schemas.microsoft.com/office/drawing/2014/main" id="{D6A3E2D9-9C96-460B-950A-90A92C2F18E1}"/>
+              </a:ext>
+            </a:extLst>
+          </p:cNvPr>
+          <p:cNvSpPr>
+            <a:spLocks noGrp="1"/>
+          </p:cNvSpPr>
+          <p:nvPr>
+            <p:ph idx="1"/>
+          </p:nvPr>
+        </p:nvSpPr>
+        <p:spPr/>
+        <p:txBody>
+          <a:bodyPr/>
+          <a:lstStyle/>
+          <a:p>
+            <a:pPr>
+              <a:lnSpc>
+                <a:spcPct val="115000"/>
+              </a:lnSpc>
+              <a:spcAft>
+                <a:spcPts val="1000"/>
+              </a:spcAft>
+            </a:pPr>
+            <a:r>
+              <a:rPr lang="en-US" dirty="0">
+                <a:latin typeface="Calibri" panose="020F0502020204030204" pitchFamily="34" charset="0"/>
+                <a:ea typeface="Calibri" panose="020F0502020204030204" pitchFamily="34" charset="0"/>
+                <a:cs typeface="Times New Roman" panose="02020603050405020304" pitchFamily="18" charset="0"/>
+              </a:rPr>
+              <a:t>This project traverses a lot of areas ranging from business concept to computing field, and required to perform several researches to be able to achieve the project objectives. The area covers include. Car rental industry.</a:t>
+            </a:r>
+          </a:p>
+          <a:p>
+            <a:pPr>
+              <a:lnSpc>
+                <a:spcPct val="115000"/>
+              </a:lnSpc>
+              <a:spcAft>
+                <a:spcPts val="1000"/>
+              </a:spcAft>
+            </a:pPr>
+            <a:r>
+              <a:rPr lang="en-US" dirty="0">
+                <a:latin typeface="Calibri" panose="020F0502020204030204" pitchFamily="34" charset="0"/>
+                <a:ea typeface="Calibri" panose="020F0502020204030204" pitchFamily="34" charset="0"/>
+                <a:cs typeface="Times New Roman" panose="02020603050405020304" pitchFamily="18" charset="0"/>
+              </a:rPr>
+              <a:t>This includes study on how the car rental business is being done, process involved and opportunity that exist for improvement.</a:t>
+            </a:r>
+          </a:p>
+          <a:p>
+            <a:pPr>
+              <a:lnSpc>
+                <a:spcPct val="115000"/>
+              </a:lnSpc>
+              <a:spcAft>
+                <a:spcPts val="1000"/>
+              </a:spcAft>
+            </a:pPr>
+            <a:r>
+              <a:rPr lang="en-US" dirty="0">
+                <a:latin typeface="Calibri" panose="020F0502020204030204" pitchFamily="34" charset="0"/>
+                <a:ea typeface="Calibri" panose="020F0502020204030204" pitchFamily="34" charset="0"/>
+                <a:cs typeface="Times New Roman" panose="02020603050405020304" pitchFamily="18" charset="0"/>
+              </a:rPr>
+              <a:t> PHP Technology used for the development of the application.</a:t>
+            </a:r>
+            <a:endParaRPr lang="en-IN" dirty="0">
+              <a:latin typeface="Calibri" panose="020F0502020204030204" pitchFamily="34" charset="0"/>
+              <a:ea typeface="Calibri" panose="020F0502020204030204" pitchFamily="34" charset="0"/>
+              <a:cs typeface="Times New Roman" panose="02020603050405020304" pitchFamily="18" charset="0"/>
+            </a:endParaRPr>
+          </a:p>
+          <a:p>
+            <a:pPr>
+              <a:lnSpc>
+                <a:spcPct val="115000"/>
+              </a:lnSpc>
+              <a:spcAft>
+                <a:spcPts val="1000"/>
+              </a:spcAft>
+            </a:pPr>
+            <a:endParaRPr lang="en-US" dirty="0">
+              <a:latin typeface="Calibri" panose="020F0502020204030204" pitchFamily="34" charset="0"/>
+              <a:ea typeface="Calibri" panose="020F0502020204030204" pitchFamily="34" charset="0"/>
+              <a:cs typeface="Times New Roman" panose="02020603050405020304" pitchFamily="18" charset="0"/>
+            </a:endParaRPr>
+          </a:p>
+          <a:p>
+            <a:pPr>
+              <a:lnSpc>
+                <a:spcPct val="115000"/>
+              </a:lnSpc>
+              <a:spcAft>
+                <a:spcPts val="1000"/>
+              </a:spcAft>
+            </a:pPr>
+            <a:endParaRPr lang="en-IN" dirty="0">
+              <a:latin typeface="Calibri" panose="020F0502020204030204" pitchFamily="34" charset="0"/>
+              <a:ea typeface="Calibri" panose="020F0502020204030204" pitchFamily="34" charset="0"/>
+              <a:cs typeface="Times New Roman" panose="02020603050405020304" pitchFamily="18" charset="0"/>
+            </a:endParaRPr>
+          </a:p>
+          <a:p>
+            <a:pPr>
+              <a:lnSpc>
+                <a:spcPct val="115000"/>
+              </a:lnSpc>
+              <a:spcAft>
+                <a:spcPts val="1000"/>
+              </a:spcAft>
+            </a:pPr>
+            <a:endParaRPr lang="en-US" dirty="0">
+              <a:latin typeface="Calibri" panose="020F0502020204030204" pitchFamily="34" charset="0"/>
+              <a:ea typeface="Calibri" panose="020F0502020204030204" pitchFamily="34" charset="0"/>
+              <a:cs typeface="Times New Roman" panose="02020603050405020304" pitchFamily="18" charset="0"/>
+            </a:endParaRPr>
+          </a:p>
+          <a:p>
+            <a:pPr>
+              <a:lnSpc>
+                <a:spcPct val="115000"/>
+              </a:lnSpc>
+              <a:spcAft>
+                <a:spcPts val="1000"/>
+              </a:spcAft>
+            </a:pPr>
+            <a:endParaRPr lang="en-IN" dirty="0">
+              <a:latin typeface="Calibri" panose="020F0502020204030204" pitchFamily="34" charset="0"/>
+              <a:ea typeface="Calibri" panose="020F0502020204030204" pitchFamily="34" charset="0"/>
+              <a:cs typeface="Times New Roman" panose="02020603050405020304" pitchFamily="18" charset="0"/>
+            </a:endParaRPr>
+          </a:p>
+          <a:p>
+            <a:endParaRPr lang="en-IN" dirty="0"/>
           </a:p>
         </p:txBody>
       </p:sp>
     </p:spTree>
     <p:extLst>
       <p:ext uri="{BB962C8B-B14F-4D97-AF65-F5344CB8AC3E}">
-        <p14:creationId xmlns:p14="http://schemas.microsoft.com/office/powerpoint/2010/main" val="1859437327"/>
+        <p14:creationId xmlns:p14="http://schemas.microsoft.com/office/powerpoint/2010/main" val="580955140"/>
       </p:ext>
     </p:extLst>
   </p:cSld>
@@ -4294,50 +4542,44 @@
           <p:cNvPr id="2" name="Title 1">
             <a:extLst>
               <a:ext uri="{FF2B5EF4-FFF2-40B4-BE49-F238E27FC236}">
-                <a16:creationId xmlns:a16="http://schemas.microsoft.com/office/drawing/2014/main" id="{DBCE3FB4-0A53-4EA5-AF45-D91672AF5C2A}"/>
-              </a:ext>
-            </a:extLst>
-          </p:cNvPr>
-          <p:cNvSpPr>
-            <a:spLocks noGrp="1"/>
-          </p:cNvSpPr>
-          <p:nvPr>
-            <p:ph type="title"/>
-          </p:nvPr>
-        </p:nvSpPr>
-        <p:spPr/>
-        <p:txBody>
-          <a:bodyPr/>
-          <a:lstStyle/>
-          <a:p>
-            <a:pPr algn="ctr"/>
+                <a16:creationId xmlns:a16="http://schemas.microsoft.com/office/drawing/2014/main" id="{687A6D9E-913F-43EA-ADA3-626155CFE7ED}"/>
+              </a:ext>
+            </a:extLst>
+          </p:cNvPr>
+          <p:cNvSpPr>
+            <a:spLocks noGrp="1"/>
+          </p:cNvSpPr>
+          <p:nvPr>
+            <p:ph type="ctrTitle"/>
+          </p:nvPr>
+        </p:nvSpPr>
+        <p:spPr>
+          <a:xfrm>
+            <a:off x="1657165" y="506027"/>
+            <a:ext cx="9144000" cy="1171853"/>
+          </a:xfrm>
+        </p:spPr>
+        <p:txBody>
+          <a:bodyPr>
+            <a:normAutofit/>
+          </a:bodyPr>
+          <a:lstStyle/>
+          <a:p>
             <a:r>
               <a:rPr lang="en-US" sz="5400" b="1" dirty="0">
                 <a:solidFill>
-                  <a:srgbClr val="C00000"/>
+                  <a:schemeClr val="accent1">
+                    <a:lumMod val="50000"/>
+                  </a:schemeClr>
                 </a:solidFill>
               </a:rPr>
-              <a:t>FUTURE</a:t>
-            </a:r>
-            <a:r>
-              <a:rPr lang="en-US" dirty="0">
-                <a:solidFill>
-                  <a:srgbClr val="C00000"/>
-                </a:solidFill>
-              </a:rPr>
-              <a:t> </a:t>
-            </a:r>
-            <a:r>
-              <a:rPr lang="en-US" sz="5400" b="1" dirty="0">
-                <a:solidFill>
-                  <a:srgbClr val="C00000"/>
-                </a:solidFill>
-              </a:rPr>
-              <a:t>SCOPES</a:t>
+              <a:t>CONCLUSION</a:t>
             </a:r>
             <a:endParaRPr lang="en-IN" b="1" dirty="0">
               <a:solidFill>
-                <a:srgbClr val="C00000"/>
+                <a:schemeClr val="accent1">
+                  <a:lumMod val="50000"/>
+                </a:schemeClr>
               </a:solidFill>
             </a:endParaRPr>
           </a:p>
@@ -4345,25 +4587,52 @@
       </p:sp>
       <p:sp>
         <p:nvSpPr>
-          <p:cNvPr id="3" name="Content Placeholder 2">
-            <a:extLst>
-              <a:ext uri="{FF2B5EF4-FFF2-40B4-BE49-F238E27FC236}">
-                <a16:creationId xmlns:a16="http://schemas.microsoft.com/office/drawing/2014/main" id="{D6A3E2D9-9C96-460B-950A-90A92C2F18E1}"/>
-              </a:ext>
-            </a:extLst>
-          </p:cNvPr>
-          <p:cNvSpPr>
-            <a:spLocks noGrp="1"/>
-          </p:cNvSpPr>
-          <p:nvPr>
-            <p:ph idx="1"/>
-          </p:nvPr>
-        </p:nvSpPr>
-        <p:spPr/>
-        <p:txBody>
-          <a:bodyPr/>
-          <a:lstStyle/>
-          <a:p>
+          <p:cNvPr id="3" name="Subtitle 2">
+            <a:extLst>
+              <a:ext uri="{FF2B5EF4-FFF2-40B4-BE49-F238E27FC236}">
+                <a16:creationId xmlns:a16="http://schemas.microsoft.com/office/drawing/2014/main" id="{FC9BA2BA-6FBD-4CE3-888E-18AD5B27E8C6}"/>
+              </a:ext>
+            </a:extLst>
+          </p:cNvPr>
+          <p:cNvSpPr>
+            <a:spLocks noGrp="1"/>
+          </p:cNvSpPr>
+          <p:nvPr>
+            <p:ph type="subTitle" idx="1"/>
+          </p:nvPr>
+        </p:nvSpPr>
+        <p:spPr>
+          <a:xfrm>
+            <a:off x="1524000" y="2396836"/>
+            <a:ext cx="9144000" cy="2743200"/>
+          </a:xfrm>
+        </p:spPr>
+        <p:txBody>
+          <a:bodyPr/>
+          <a:lstStyle/>
+          <a:p>
+            <a:pPr algn="l"/>
+            <a:r>
+              <a:rPr lang="en-IN" dirty="0"/>
+              <a:t>Enterprise is not really a car rental business at all-it is a customer service business.</a:t>
+            </a:r>
+          </a:p>
+          <a:p>
+            <a:pPr algn="l"/>
+            <a:r>
+              <a:rPr lang="en-IN" dirty="0"/>
+              <a:t>Enterprise will continue to develop new market segments and continue to expand internationally, taking advantage of its brand image to identify with new customers in new markets.</a:t>
+            </a:r>
+          </a:p>
+          <a:p>
+            <a:pPr algn="l"/>
+            <a:r>
+              <a:rPr lang="en-IN" dirty="0"/>
+              <a:t>The customer relationships Enterprise has built, will only serve to propel Enterprise’s efforts to expand into new market segments.</a:t>
+            </a:r>
+          </a:p>
+          <a:p>
+            <a:pPr algn="l"/>
             <a:endParaRPr lang="en-IN" dirty="0"/>
           </a:p>
         </p:txBody>
@@ -4371,7 +4640,7 @@
     </p:spTree>
     <p:extLst>
       <p:ext uri="{BB962C8B-B14F-4D97-AF65-F5344CB8AC3E}">
-        <p14:creationId xmlns:p14="http://schemas.microsoft.com/office/powerpoint/2010/main" val="580955140"/>
+        <p14:creationId xmlns:p14="http://schemas.microsoft.com/office/powerpoint/2010/main" val="1210053922"/>
       </p:ext>
     </p:extLst>
   </p:cSld>
@@ -4403,21 +4672,21 @@
           <p:cNvPr id="2" name="Title 1">
             <a:extLst>
               <a:ext uri="{FF2B5EF4-FFF2-40B4-BE49-F238E27FC236}">
-                <a16:creationId xmlns:a16="http://schemas.microsoft.com/office/drawing/2014/main" id="{687A6D9E-913F-43EA-ADA3-626155CFE7ED}"/>
-              </a:ext>
-            </a:extLst>
-          </p:cNvPr>
-          <p:cNvSpPr>
-            <a:spLocks noGrp="1"/>
-          </p:cNvSpPr>
-          <p:nvPr>
-            <p:ph type="ctrTitle"/>
+                <a16:creationId xmlns:a16="http://schemas.microsoft.com/office/drawing/2014/main" id="{5ADAEE86-B422-42D0-8854-B33FC7AE5A0F}"/>
+              </a:ext>
+            </a:extLst>
+          </p:cNvPr>
+          <p:cNvSpPr>
+            <a:spLocks noGrp="1"/>
+          </p:cNvSpPr>
+          <p:nvPr>
+            <p:ph type="title"/>
           </p:nvPr>
         </p:nvSpPr>
         <p:spPr>
           <a:xfrm>
-            <a:off x="1657165" y="506027"/>
-            <a:ext cx="9144000" cy="1171853"/>
+            <a:off x="838200" y="365125"/>
+            <a:ext cx="10515600" cy="6062308"/>
           </a:xfrm>
         </p:spPr>
         <p:txBody>
@@ -4426,60 +4695,27 @@
           </a:bodyPr>
           <a:lstStyle/>
           <a:p>
-            <a:r>
-              <a:rPr lang="en-US" b="1" dirty="0">
+            <a:pPr algn="ctr"/>
+            <a:r>
+              <a:rPr lang="en-US" sz="7200" b="1" dirty="0">
                 <a:solidFill>
-                  <a:schemeClr val="accent1">
-                    <a:lumMod val="50000"/>
-                  </a:schemeClr>
+                  <a:srgbClr val="00B0F0"/>
                 </a:solidFill>
               </a:rPr>
-              <a:t>CONCLUSION</a:t>
-            </a:r>
-            <a:endParaRPr lang="en-IN" b="1" dirty="0">
+              <a:t>THANK YOU</a:t>
+            </a:r>
+            <a:endParaRPr lang="en-IN" sz="7200" b="1" dirty="0">
               <a:solidFill>
-                <a:schemeClr val="accent1">
-                  <a:lumMod val="50000"/>
-                </a:schemeClr>
+                <a:srgbClr val="00B0F0"/>
               </a:solidFill>
             </a:endParaRPr>
-          </a:p>
-        </p:txBody>
-      </p:sp>
-      <p:sp>
-        <p:nvSpPr>
-          <p:cNvPr id="3" name="Subtitle 2">
-            <a:extLst>
-              <a:ext uri="{FF2B5EF4-FFF2-40B4-BE49-F238E27FC236}">
-                <a16:creationId xmlns:a16="http://schemas.microsoft.com/office/drawing/2014/main" id="{FC9BA2BA-6FBD-4CE3-888E-18AD5B27E8C6}"/>
-              </a:ext>
-            </a:extLst>
-          </p:cNvPr>
-          <p:cNvSpPr>
-            <a:spLocks noGrp="1"/>
-          </p:cNvSpPr>
-          <p:nvPr>
-            <p:ph type="subTitle" idx="1"/>
-          </p:nvPr>
-        </p:nvSpPr>
-        <p:spPr>
-          <a:xfrm>
-            <a:off x="1524000" y="2148395"/>
-            <a:ext cx="9144000" cy="4416641"/>
-          </a:xfrm>
-        </p:spPr>
-        <p:txBody>
-          <a:bodyPr/>
-          <a:lstStyle/>
-          <a:p>
-            <a:endParaRPr lang="en-IN" dirty="0"/>
           </a:p>
         </p:txBody>
       </p:sp>
     </p:spTree>
     <p:extLst>
       <p:ext uri="{BB962C8B-B14F-4D97-AF65-F5344CB8AC3E}">
-        <p14:creationId xmlns:p14="http://schemas.microsoft.com/office/powerpoint/2010/main" val="1210053922"/>
+        <p14:creationId xmlns:p14="http://schemas.microsoft.com/office/powerpoint/2010/main" val="3795179015"/>
       </p:ext>
     </p:extLst>
   </p:cSld>
